--- a/Rapport - Abstract/Presentation.pptx
+++ b/Rapport - Abstract/Presentation.pptx
@@ -110,6 +110,11 @@
       </a:defRPr>
     </a:lvl9pPr>
   </p:defaultTextStyle>
+  <p:extLst>
+    <p:ext uri="{EFAFB233-063F-42B5-8137-9DF3F51BA10A}">
+      <p15:sldGuideLst xmlns:p15="http://schemas.microsoft.com/office/powerpoint/2012/main"/>
+    </p:ext>
+  </p:extLst>
 </p:presentation>
 </file>
 
@@ -3284,13 +3289,20 @@
           <a:bodyPr/>
           <a:lstStyle/>
           <a:p>
+            <a:endParaRPr lang="da-DK" dirty="0" smtClean="0"/>
+          </a:p>
+          <a:p>
             <a:r>
               <a:rPr lang="da-DK" dirty="0" err="1" smtClean="0"/>
               <a:t>Which</a:t>
             </a:r>
             <a:r>
               <a:rPr lang="da-DK" dirty="0" smtClean="0"/>
-              <a:t> time to measure</a:t>
+              <a:t> </a:t>
+            </a:r>
+            <a:r>
+              <a:rPr lang="da-DK" dirty="0" smtClean="0"/>
+              <a:t>time to measure</a:t>
             </a:r>
           </a:p>
           <a:p>
@@ -3324,27 +3336,6 @@
               <a:t>machine</a:t>
             </a:r>
             <a:endParaRPr lang="da-DK" dirty="0" smtClean="0"/>
-          </a:p>
-          <a:p>
-            <a:endParaRPr lang="da-DK" dirty="0"/>
-          </a:p>
-          <a:p>
-            <a:r>
-              <a:rPr lang="da-DK" dirty="0" err="1" smtClean="0"/>
-              <a:t>Certainty</a:t>
-            </a:r>
-            <a:r>
-              <a:rPr lang="da-DK" dirty="0" smtClean="0"/>
-              <a:t> of </a:t>
-            </a:r>
-            <a:r>
-              <a:rPr lang="da-DK" dirty="0" err="1" smtClean="0"/>
-              <a:t>correct</a:t>
-            </a:r>
-            <a:r>
-              <a:rPr lang="da-DK" dirty="0" smtClean="0"/>
-              <a:t> performance</a:t>
-            </a:r>
           </a:p>
         </p:txBody>
       </p:sp>
